--- a/ROCF_master_thesis_PS1_Korbelova.pptx
+++ b/ROCF_master_thesis_PS1_Korbelova.pptx
@@ -137,13 +137,37 @@
 <file path=ppt/revisionInfo.xml><?xml version="1.0" encoding="utf-8"?>
 <p1510:revInfo xmlns:a="http://schemas.openxmlformats.org/drawingml/2006/main" xmlns:r="http://schemas.openxmlformats.org/officeDocument/2006/relationships" xmlns:p1510="http://schemas.microsoft.com/office/powerpoint/2015/10/main">
   <p1510:revLst>
-    <p1510:client id="{2C8D1101-964B-4345-814A-EB8271F59CA4}" v="9" dt="2025-05-11T11:54:41.088"/>
+    <p1510:client id="{C50B196C-0C11-48F8-89F9-A6535DC6D7F7}" v="8" dt="2025-05-12T12:24:46.491"/>
   </p1510:revLst>
 </p1510:revInfo>
 </file>
 
 <file path=ppt/changesInfos/changesInfo1.xml><?xml version="1.0" encoding="utf-8"?>
 <pc:chgInfo xmlns:a="http://schemas.openxmlformats.org/drawingml/2006/main" xmlns:r="http://schemas.openxmlformats.org/officeDocument/2006/relationships" xmlns:ac="http://schemas.microsoft.com/office/drawing/2013/main/command" xmlns:pc="http://schemas.microsoft.com/office/powerpoint/2013/main/command">
+  <pc:docChgLst>
+    <pc:chgData name="Lucia Korbeľová" userId="64c5499c86262cb6" providerId="LiveId" clId="{C50B196C-0C11-48F8-89F9-A6535DC6D7F7}"/>
+    <pc:docChg chg="modSld">
+      <pc:chgData name="Lucia Korbeľová" userId="64c5499c86262cb6" providerId="LiveId" clId="{C50B196C-0C11-48F8-89F9-A6535DC6D7F7}" dt="2025-05-12T12:24:44.911" v="8"/>
+      <pc:docMkLst>
+        <pc:docMk/>
+      </pc:docMkLst>
+      <pc:sldChg chg="modSp mod">
+        <pc:chgData name="Lucia Korbeľová" userId="64c5499c86262cb6" providerId="LiveId" clId="{C50B196C-0C11-48F8-89F9-A6535DC6D7F7}" dt="2025-05-12T12:24:44.911" v="8"/>
+        <pc:sldMkLst>
+          <pc:docMk/>
+          <pc:sldMk cId="165541852" sldId="302"/>
+        </pc:sldMkLst>
+        <pc:graphicFrameChg chg="mod modGraphic">
+          <ac:chgData name="Lucia Korbeľová" userId="64c5499c86262cb6" providerId="LiveId" clId="{C50B196C-0C11-48F8-89F9-A6535DC6D7F7}" dt="2025-05-12T12:24:44.911" v="8"/>
+          <ac:graphicFrameMkLst>
+            <pc:docMk/>
+            <pc:sldMk cId="165541852" sldId="302"/>
+            <ac:graphicFrameMk id="5" creationId="{647DBB19-DFC4-1E25-C931-8AE803502D5E}"/>
+          </ac:graphicFrameMkLst>
+        </pc:graphicFrameChg>
+      </pc:sldChg>
+    </pc:docChg>
+  </pc:docChgLst>
   <pc:docChgLst>
     <pc:chgData name="Lucia Korbeľová" userId="64c5499c86262cb6" providerId="LiveId" clId="{2C8D1101-964B-4345-814A-EB8271F59CA4}"/>
     <pc:docChg chg="undo custSel addSld modSld">
@@ -1251,15 +1275,25 @@
       </dgm:t>
     </dgm:pt>
     <dgm:pt modelId="{7AAE2C47-38C9-4D09-8049-F81CE947133D}">
-      <dgm:prSet/>
+      <dgm:prSet custT="1"/>
       <dgm:spPr/>
       <dgm:t>
         <a:bodyPr/>
         <a:lstStyle/>
         <a:p>
           <a:r>
-            <a:rPr lang="en-US"/>
-            <a:t>Master’s Thesis web page: ----link------</a:t>
+            <a:rPr lang="en-US" sz="2400" dirty="0"/>
+            <a:t>Master’s Thesis web page: </a:t>
+          </a:r>
+          <a:r>
+            <a:rPr lang="sk-SK" sz="2400" dirty="0">
+              <a:hlinkClick xmlns:r="http://schemas.openxmlformats.org/officeDocument/2006/relationships" r:id="rId1"/>
+            </a:rPr>
+            <a:t>https://davinci.fmph.uniba.sk/~korbelova19/masters_thesis/masters_thesis_ROCF.html</a:t>
+          </a:r>
+          <a:r>
+            <a:rPr lang="en-US" sz="2400" dirty="0"/>
+            <a:t> </a:t>
           </a:r>
         </a:p>
       </dgm:t>
@@ -1299,7 +1333,7 @@
           </a:r>
           <a:r>
             <a:rPr lang="en-US">
-              <a:hlinkClick xmlns:r="http://schemas.openxmlformats.org/officeDocument/2006/relationships" r:id="rId1"/>
+              <a:hlinkClick xmlns:r="http://schemas.openxmlformats.org/officeDocument/2006/relationships" r:id="rId2"/>
             </a:rPr>
             <a:t>https://github.com/lk0103/ROCF_score_classification/tree/main</a:t>
           </a:r>
@@ -1353,13 +1387,13 @@
       <dgm:prSet presAssocID="{7AAE2C47-38C9-4D09-8049-F81CE947133D}" presName="iconRect" presStyleLbl="node1" presStyleIdx="0" presStyleCnt="2"/>
       <dgm:spPr>
         <a:blipFill>
-          <a:blip xmlns:r="http://schemas.openxmlformats.org/officeDocument/2006/relationships" r:embed="rId2">
+          <a:blip xmlns:r="http://schemas.openxmlformats.org/officeDocument/2006/relationships" r:embed="rId3">
             <a:extLst>
               <a:ext uri="{28A0092B-C50C-407E-A947-70E740481C1C}">
                 <a14:useLocalDpi xmlns:a14="http://schemas.microsoft.com/office/drawing/2010/main" val="0"/>
               </a:ext>
               <a:ext uri="{96DAC541-7B7A-43D3-8B79-37D633B846F1}">
-                <asvg:svgBlip xmlns:asvg="http://schemas.microsoft.com/office/drawing/2016/SVG/main" r:embed="rId3"/>
+                <asvg:svgBlip xmlns:asvg="http://schemas.microsoft.com/office/drawing/2016/SVG/main" r:embed="rId4"/>
               </a:ext>
             </a:extLst>
           </a:blip>
@@ -1406,13 +1440,13 @@
       <dgm:prSet presAssocID="{D4F2246E-296C-4A2A-82DB-40483B586A65}" presName="iconRect" presStyleLbl="node1" presStyleIdx="1" presStyleCnt="2"/>
       <dgm:spPr>
         <a:blipFill>
-          <a:blip xmlns:r="http://schemas.openxmlformats.org/officeDocument/2006/relationships" r:embed="rId4">
+          <a:blip xmlns:r="http://schemas.openxmlformats.org/officeDocument/2006/relationships" r:embed="rId5">
             <a:extLst>
               <a:ext uri="{28A0092B-C50C-407E-A947-70E740481C1C}">
                 <a14:useLocalDpi xmlns:a14="http://schemas.microsoft.com/office/drawing/2010/main" val="0"/>
               </a:ext>
               <a:ext uri="{96DAC541-7B7A-43D3-8B79-37D633B846F1}">
-                <asvg:svgBlip xmlns:asvg="http://schemas.microsoft.com/office/drawing/2016/SVG/main" r:embed="rId5"/>
+                <asvg:svgBlip xmlns:asvg="http://schemas.microsoft.com/office/drawing/2016/SVG/main" r:embed="rId6"/>
               </a:ext>
             </a:extLst>
           </a:blip>
@@ -1487,8 +1521,8 @@
       </dsp:nvSpPr>
       <dsp:spPr>
         <a:xfrm>
-          <a:off x="0" y="653795"/>
-          <a:ext cx="9720072" cy="1207008"/>
+          <a:off x="0" y="617439"/>
+          <a:ext cx="10191560" cy="1169289"/>
         </a:xfrm>
         <a:prstGeom prst="roundRect">
           <a:avLst>
@@ -1529,8 +1563,8 @@
       </dsp:nvSpPr>
       <dsp:spPr>
         <a:xfrm>
-          <a:off x="365119" y="925372"/>
-          <a:ext cx="663854" cy="663854"/>
+          <a:off x="353709" y="880529"/>
+          <a:ext cx="643108" cy="643108"/>
         </a:xfrm>
         <a:prstGeom prst="rect">
           <a:avLst/>
@@ -1578,8 +1612,8 @@
       </dsp:nvSpPr>
       <dsp:spPr>
         <a:xfrm>
-          <a:off x="1394094" y="653795"/>
-          <a:ext cx="8325978" cy="1207008"/>
+          <a:off x="1350528" y="617439"/>
+          <a:ext cx="8799540" cy="1243511"/>
         </a:xfrm>
         <a:prstGeom prst="rect">
           <a:avLst/>
@@ -1603,7 +1637,7 @@
         <a:fontRef idx="minor"/>
       </dsp:style>
       <dsp:txBody>
-        <a:bodyPr spcFirstLastPara="0" vert="horz" wrap="square" lIns="127742" tIns="127742" rIns="127742" bIns="127742" numCol="1" spcCol="1270" anchor="ctr" anchorCtr="0">
+        <a:bodyPr spcFirstLastPara="0" vert="horz" wrap="square" lIns="131605" tIns="131605" rIns="131605" bIns="131605" numCol="1" spcCol="1270" anchor="ctr" anchorCtr="0">
           <a:noAutofit/>
         </a:bodyPr>
         <a:lstStyle/>
@@ -1621,14 +1655,24 @@
             <a:buNone/>
           </a:pPr>
           <a:r>
-            <a:rPr lang="en-US" sz="2400" kern="1200"/>
-            <a:t>Master’s Thesis web page: ----link------</a:t>
+            <a:rPr lang="en-US" sz="2400" kern="1200" dirty="0"/>
+            <a:t>Master’s Thesis web page: </a:t>
+          </a:r>
+          <a:r>
+            <a:rPr lang="sk-SK" sz="2400" kern="1200" dirty="0">
+              <a:hlinkClick xmlns:r="http://schemas.openxmlformats.org/officeDocument/2006/relationships" r:id="rId3"/>
+            </a:rPr>
+            <a:t>https://davinci.fmph.uniba.sk/~korbelova19/masters_thesis/masters_thesis_ROCF.html</a:t>
+          </a:r>
+          <a:r>
+            <a:rPr lang="en-US" sz="2400" kern="1200" dirty="0"/>
+            <a:t> </a:t>
           </a:r>
         </a:p>
       </dsp:txBody>
       <dsp:txXfrm>
-        <a:off x="1394094" y="653795"/>
-        <a:ext cx="8325978" cy="1207008"/>
+        <a:off x="1350528" y="617439"/>
+        <a:ext cx="8799540" cy="1243511"/>
       </dsp:txXfrm>
     </dsp:sp>
     <dsp:sp modelId="{8F33CC69-5442-46D8-843B-B65428C7E3F5}">
@@ -1638,8 +1682,8 @@
       </dsp:nvSpPr>
       <dsp:spPr>
         <a:xfrm>
-          <a:off x="0" y="2162556"/>
-          <a:ext cx="9720072" cy="1207008"/>
+          <a:off x="0" y="2162408"/>
+          <a:ext cx="10191560" cy="1169289"/>
         </a:xfrm>
         <a:prstGeom prst="roundRect">
           <a:avLst>
@@ -1680,20 +1724,20 @@
       </dsp:nvSpPr>
       <dsp:spPr>
         <a:xfrm>
-          <a:off x="365119" y="2434132"/>
-          <a:ext cx="663854" cy="663854"/>
+          <a:off x="353709" y="2425498"/>
+          <a:ext cx="643108" cy="643108"/>
         </a:xfrm>
         <a:prstGeom prst="rect">
           <a:avLst/>
         </a:prstGeom>
         <a:blipFill>
-          <a:blip xmlns:r="http://schemas.openxmlformats.org/officeDocument/2006/relationships" r:embed="rId3">
+          <a:blip xmlns:r="http://schemas.openxmlformats.org/officeDocument/2006/relationships" r:embed="rId4">
             <a:extLst>
               <a:ext uri="{28A0092B-C50C-407E-A947-70E740481C1C}">
                 <a14:useLocalDpi xmlns:a14="http://schemas.microsoft.com/office/drawing/2010/main" val="0"/>
               </a:ext>
               <a:ext uri="{96DAC541-7B7A-43D3-8B79-37D633B846F1}">
-                <asvg:svgBlip xmlns:asvg="http://schemas.microsoft.com/office/drawing/2016/SVG/main" r:embed="rId4"/>
+                <asvg:svgBlip xmlns:asvg="http://schemas.microsoft.com/office/drawing/2016/SVG/main" r:embed="rId5"/>
               </a:ext>
             </a:extLst>
           </a:blip>
@@ -1729,8 +1773,8 @@
       </dsp:nvSpPr>
       <dsp:spPr>
         <a:xfrm>
-          <a:off x="1394094" y="2162556"/>
-          <a:ext cx="8325978" cy="1207008"/>
+          <a:off x="1350528" y="2162408"/>
+          <a:ext cx="8799540" cy="1243511"/>
         </a:xfrm>
         <a:prstGeom prst="rect">
           <a:avLst/>
@@ -1754,12 +1798,12 @@
         <a:fontRef idx="minor"/>
       </dsp:style>
       <dsp:txBody>
-        <a:bodyPr spcFirstLastPara="0" vert="horz" wrap="square" lIns="127742" tIns="127742" rIns="127742" bIns="127742" numCol="1" spcCol="1270" anchor="ctr" anchorCtr="0">
+        <a:bodyPr spcFirstLastPara="0" vert="horz" wrap="square" lIns="131605" tIns="131605" rIns="131605" bIns="131605" numCol="1" spcCol="1270" anchor="ctr" anchorCtr="0">
           <a:noAutofit/>
         </a:bodyPr>
         <a:lstStyle/>
         <a:p>
-          <a:pPr marL="0" lvl="0" indent="0" algn="l" defTabSz="1066800">
+          <a:pPr marL="0" lvl="0" indent="0" algn="l" defTabSz="1111250">
             <a:lnSpc>
               <a:spcPct val="90000"/>
             </a:lnSpc>
@@ -1772,24 +1816,24 @@
             <a:buNone/>
           </a:pPr>
           <a:r>
-            <a:rPr lang="en-US" sz="2400" kern="1200"/>
+            <a:rPr lang="en-US" sz="2500" kern="1200"/>
             <a:t>Prototype of Master’s Thesis on github: </a:t>
           </a:r>
           <a:r>
-            <a:rPr lang="en-US" sz="2400" kern="1200">
-              <a:hlinkClick xmlns:r="http://schemas.openxmlformats.org/officeDocument/2006/relationships" r:id="rId5"/>
+            <a:rPr lang="en-US" sz="2500" kern="1200">
+              <a:hlinkClick xmlns:r="http://schemas.openxmlformats.org/officeDocument/2006/relationships" r:id="rId6"/>
             </a:rPr>
             <a:t>https://github.com/lk0103/ROCF_score_classification/tree/main</a:t>
           </a:r>
           <a:r>
-            <a:rPr lang="en-US" sz="2400" kern="1200"/>
+            <a:rPr lang="en-US" sz="2500" kern="1200"/>
             <a:t> </a:t>
           </a:r>
         </a:p>
       </dsp:txBody>
       <dsp:txXfrm>
-        <a:off x="1394094" y="2162556"/>
-        <a:ext cx="8325978" cy="1207008"/>
+        <a:off x="1350528" y="2162408"/>
+        <a:ext cx="8799540" cy="1243511"/>
       </dsp:txXfrm>
     </dsp:sp>
   </dsp:spTree>
@@ -3208,7 +3252,7 @@
             <a:pPr rtl="0"/>
             <a:fld id="{CDB5D84E-F192-4F2B-B593-180A83D41618}" type="datetime1">
               <a:rPr lang="sk-SK" smtClean="0"/>
-              <a:t>11. 5. 2025</a:t>
+              <a:t>12. 5. 2025</a:t>
             </a:fld>
             <a:endParaRPr lang="sk-SK" dirty="0"/>
           </a:p>
@@ -3378,7 +3422,7 @@
             <a:pPr rtl="0"/>
             <a:fld id="{223CF208-1976-478C-ACF2-425B24589165}" type="datetime1">
               <a:rPr lang="sk-SK" noProof="0" smtClean="0"/>
-              <a:t>11. 5. 2025</a:t>
+              <a:t>12. 5. 2025</a:t>
             </a:fld>
             <a:endParaRPr lang="sk-SK" noProof="0" dirty="0"/>
           </a:p>
@@ -12617,7 +12661,7 @@
             <a:pPr rtl="0"/>
             <a:fld id="{4E604044-D29F-4D7A-9713-E726076CB499}" type="datetime1">
               <a:rPr lang="sk-SK" noProof="0" smtClean="0"/>
-              <a:t>11. 5. 2025</a:t>
+              <a:t>12. 5. 2025</a:t>
             </a:fld>
             <a:endParaRPr lang="sk-SK" noProof="0" dirty="0"/>
           </a:p>
@@ -12823,7 +12867,7 @@
             <a:pPr rtl="0"/>
             <a:fld id="{987813FB-4906-4072-AE2C-D7CDC77B1570}" type="datetime1">
               <a:rPr lang="sk-SK" noProof="0" smtClean="0"/>
-              <a:t>11. 5. 2025</a:t>
+              <a:t>12. 5. 2025</a:t>
             </a:fld>
             <a:endParaRPr lang="sk-SK" noProof="0" dirty="0"/>
           </a:p>
@@ -13002,7 +13046,7 @@
             <a:pPr rtl="0"/>
             <a:fld id="{B0C36CB1-57AC-4290-807A-6BD740544ABE}" type="datetime1">
               <a:rPr lang="sk-SK" noProof="0" smtClean="0"/>
-              <a:t>11. 5. 2025</a:t>
+              <a:t>12. 5. 2025</a:t>
             </a:fld>
             <a:endParaRPr lang="sk-SK" noProof="0" dirty="0"/>
           </a:p>
@@ -13206,7 +13250,7 @@
             <a:pPr rtl="0"/>
             <a:fld id="{B8D8A465-F0C6-413C-A3F4-5D0F2183BAAD}" type="datetime1">
               <a:rPr lang="sk-SK" noProof="0" smtClean="0"/>
-              <a:t>11. 5. 2025</a:t>
+              <a:t>12. 5. 2025</a:t>
             </a:fld>
             <a:endParaRPr lang="sk-SK" noProof="0" dirty="0"/>
           </a:p>
@@ -22103,7 +22147,7 @@
             <a:pPr rtl="0"/>
             <a:fld id="{9A3EA79D-7A3C-4B2A-816F-0A27A55151F2}" type="datetime1">
               <a:rPr lang="sk-SK" noProof="0" smtClean="0"/>
-              <a:t>11. 5. 2025</a:t>
+              <a:t>12. 5. 2025</a:t>
             </a:fld>
             <a:endParaRPr lang="sk-SK" noProof="0" dirty="0"/>
           </a:p>
@@ -22376,7 +22420,7 @@
             <a:pPr rtl="0"/>
             <a:fld id="{51A8BD11-8FFD-4A47-B3E5-035DCEF9C1F9}" type="datetime1">
               <a:rPr lang="sk-SK" noProof="0" smtClean="0"/>
-              <a:t>11. 5. 2025</a:t>
+              <a:t>12. 5. 2025</a:t>
             </a:fld>
             <a:endParaRPr lang="sk-SK" noProof="0" dirty="0"/>
           </a:p>
@@ -22773,7 +22817,7 @@
             <a:pPr rtl="0"/>
             <a:fld id="{4F4F9127-0702-4A06-8F23-8391AF575B9E}" type="datetime1">
               <a:rPr lang="sk-SK" noProof="0" smtClean="0"/>
-              <a:t>11. 5. 2025</a:t>
+              <a:t>12. 5. 2025</a:t>
             </a:fld>
             <a:endParaRPr lang="sk-SK" noProof="0" dirty="0"/>
           </a:p>
@@ -22890,7 +22934,7 @@
             <a:pPr rtl="0"/>
             <a:fld id="{929D81FF-7B82-49BE-8D4F-B16B27C293CD}" type="datetime1">
               <a:rPr lang="sk-SK" noProof="0" smtClean="0"/>
-              <a:t>11. 5. 2025</a:t>
+              <a:t>12. 5. 2025</a:t>
             </a:fld>
             <a:endParaRPr lang="sk-SK" noProof="0" dirty="0"/>
           </a:p>
@@ -22983,7 +23027,7 @@
             <a:pPr rtl="0"/>
             <a:fld id="{4367031B-0F6C-4519-A426-78B36F3AD51B}" type="datetime1">
               <a:rPr lang="sk-SK" noProof="0" smtClean="0"/>
-              <a:t>11. 5. 2025</a:t>
+              <a:t>12. 5. 2025</a:t>
             </a:fld>
             <a:endParaRPr lang="sk-SK" noProof="0" dirty="0"/>
           </a:p>
@@ -23272,7 +23316,7 @@
             <a:pPr rtl="0"/>
             <a:fld id="{B7DA8DD9-B3AA-493E-B103-E4D2FC1F43B6}" type="datetime1">
               <a:rPr lang="sk-SK" noProof="0" smtClean="0"/>
-              <a:t>11. 5. 2025</a:t>
+              <a:t>12. 5. 2025</a:t>
             </a:fld>
             <a:endParaRPr lang="sk-SK" noProof="0" dirty="0"/>
           </a:p>
@@ -23552,7 +23596,7 @@
             <a:pPr rtl="0"/>
             <a:fld id="{3952DF92-EFA5-4B8B-A6EB-4A48D741CE70}" type="datetime1">
               <a:rPr lang="sk-SK" noProof="0" smtClean="0"/>
-              <a:t>11. 5. 2025</a:t>
+              <a:t>12. 5. 2025</a:t>
             </a:fld>
             <a:endParaRPr lang="sk-SK" noProof="0" dirty="0"/>
           </a:p>
@@ -23799,7 +23843,7 @@
             <a:pPr rtl="0"/>
             <a:fld id="{111A7163-FC26-4F62-B021-77D6C3A110C6}" type="datetime1">
               <a:rPr lang="sk-SK" noProof="0" smtClean="0"/>
-              <a:t>11. 5. 2025</a:t>
+              <a:t>12. 5. 2025</a:t>
             </a:fld>
             <a:endParaRPr lang="sk-SK" noProof="0" dirty="0"/>
           </a:p>
@@ -25672,14 +25716,14 @@
             <p:ph idx="1"/>
             <p:extLst>
               <p:ext uri="{D42A27DB-BD31-4B8C-83A1-F6EECF244321}">
-                <p14:modId xmlns:p14="http://schemas.microsoft.com/office/powerpoint/2010/main" val="2440394499"/>
+                <p14:modId xmlns:p14="http://schemas.microsoft.com/office/powerpoint/2010/main" val="3610694151"/>
               </p:ext>
             </p:extLst>
           </p:nvPr>
         </p:nvGraphicFramePr>
         <p:xfrm>
           <a:off x="1024128" y="2286000"/>
-          <a:ext cx="9720073" cy="4023360"/>
+          <a:ext cx="10191560" cy="4023360"/>
         </p:xfrm>
         <a:graphic>
           <a:graphicData uri="http://schemas.openxmlformats.org/drawingml/2006/diagram">
@@ -33136,15 +33180,6 @@
 </file>
 
 <file path=customXml/item2.xml><?xml version="1.0" encoding="utf-8"?>
-<?mso-contentType ?>
-<FormTemplates xmlns="http://schemas.microsoft.com/sharepoint/v3/contenttype/forms">
-  <Display>DocumentLibraryForm</Display>
-  <Edit>DocumentLibraryForm</Edit>
-  <New>DocumentLibraryForm</New>
-</FormTemplates>
-</file>
-
-<file path=customXml/item3.xml><?xml version="1.0" encoding="utf-8"?>
 <ct:contentTypeSchema xmlns:ct="http://schemas.microsoft.com/office/2006/metadata/contentType" xmlns:ma="http://schemas.microsoft.com/office/2006/metadata/properties/metaAttributes" ct:_="" ma:_="" ma:contentTypeName="Document" ma:contentTypeID="0x01010079F111ED35F8CC479449609E8A0923A6" ma:contentTypeVersion="11" ma:contentTypeDescription="Create a new document." ma:contentTypeScope="" ma:versionID="9677210f24a1be23c92c90fd886aa0aa">
   <xsd:schema xmlns:xsd="http://www.w3.org/2001/XMLSchema" xmlns:xs="http://www.w3.org/2001/XMLSchema" xmlns:p="http://schemas.microsoft.com/office/2006/metadata/properties" xmlns:ns2="71af3243-3dd4-4a8d-8c0d-dd76da1f02a5" xmlns:ns3="16c05727-aa75-4e4a-9b5f-8a80a1165891" targetNamespace="http://schemas.microsoft.com/office/2006/metadata/properties" ma:root="true" ma:fieldsID="60e05723c5c1908df1a1a4ebf11d344e" ns2:_="" ns3:_="">
     <xsd:import namespace="71af3243-3dd4-4a8d-8c0d-dd76da1f02a5"/>
@@ -33355,6 +33390,15 @@
 </ct:contentTypeSchema>
 </file>
 
+<file path=customXml/item3.xml><?xml version="1.0" encoding="utf-8"?>
+<?mso-contentType ?>
+<FormTemplates xmlns="http://schemas.microsoft.com/sharepoint/v3/contenttype/forms">
+  <Display>DocumentLibraryForm</Display>
+  <Edit>DocumentLibraryForm</Edit>
+  <New>DocumentLibraryForm</New>
+</FormTemplates>
+</file>
+
 <file path=customXml/itemProps1.xml><?xml version="1.0" encoding="utf-8"?>
 <ds:datastoreItem xmlns:ds="http://schemas.openxmlformats.org/officeDocument/2006/customXml" ds:itemID="{788A2F88-55C5-4ED1-9541-807C65424763}">
   <ds:schemaRefs>
@@ -33366,14 +33410,6 @@
 </file>
 
 <file path=customXml/itemProps2.xml><?xml version="1.0" encoding="utf-8"?>
-<ds:datastoreItem xmlns:ds="http://schemas.openxmlformats.org/officeDocument/2006/customXml" ds:itemID="{4F44C90D-2A62-4985-9618-3460247437B1}">
-  <ds:schemaRefs>
-    <ds:schemaRef ds:uri="http://schemas.microsoft.com/sharepoint/v3/contenttype/forms"/>
-  </ds:schemaRefs>
-</ds:datastoreItem>
-</file>
-
-<file path=customXml/itemProps3.xml><?xml version="1.0" encoding="utf-8"?>
 <ds:datastoreItem xmlns:ds="http://schemas.openxmlformats.org/officeDocument/2006/customXml" ds:itemID="{B61EAB5F-88FC-4FAE-AE3C-037A3C365EB8}">
   <ds:schemaRefs>
     <ds:schemaRef ds:uri="http://schemas.microsoft.com/office/2006/metadata/contentType"/>
@@ -33390,4 +33426,12 @@
     <ds:schemaRef ds:uri="http://schemas.microsoft.com/internal/obd"/>
   </ds:schemaRefs>
 </ds:datastoreItem>
+</file>
+
+<file path=customXml/itemProps3.xml><?xml version="1.0" encoding="utf-8"?>
+<ds:datastoreItem xmlns:ds="http://schemas.openxmlformats.org/officeDocument/2006/customXml" ds:itemID="{4F44C90D-2A62-4985-9618-3460247437B1}">
+  <ds:schemaRefs>
+    <ds:schemaRef ds:uri="http://schemas.microsoft.com/sharepoint/v3/contenttype/forms"/>
+  </ds:schemaRefs>
+</ds:datastoreItem>
 </file>